--- a/docs/Tritium MySQL Database How To.pptx
+++ b/docs/Tritium MySQL Database How To.pptx
@@ -17,10 +17,10 @@
     <p:sldId id="266" r:id="rId11"/>
     <p:sldId id="265" r:id="rId12"/>
     <p:sldId id="267" r:id="rId13"/>
-    <p:sldId id="268" r:id="rId14"/>
+    <p:sldId id="275" r:id="rId14"/>
     <p:sldId id="269" r:id="rId15"/>
     <p:sldId id="271" r:id="rId16"/>
-    <p:sldId id="270" r:id="rId17"/>
+    <p:sldId id="276" r:id="rId17"/>
     <p:sldId id="272" r:id="rId18"/>
     <p:sldId id="273" r:id="rId19"/>
     <p:sldId id="274" r:id="rId20"/>
@@ -306,7 +306,8 @@
           <a:p>
             <a:fld id="{F1AE3E1C-4050-4800-9F3F-EAFDBD65BD21}" type="datetimeFigureOut">
               <a:rPr lang="en-US" smtClean="0"/>
-              <a:t>12/3/2017</a:t>
+              <a:pPr/>
+              <a:t>12/4/2017</a:t>
             </a:fld>
             <a:endParaRPr lang="en-US"/>
           </a:p>
@@ -348,6 +349,7 @@
           <a:p>
             <a:fld id="{290C3099-4D1F-4A21-B3CB-08B42553DBB1}" type="slidenum">
               <a:rPr lang="en-US" smtClean="0"/>
+              <a:pPr/>
               <a:t>‹#›</a:t>
             </a:fld>
             <a:endParaRPr lang="en-US"/>
@@ -471,7 +473,8 @@
           <a:p>
             <a:fld id="{F1AE3E1C-4050-4800-9F3F-EAFDBD65BD21}" type="datetimeFigureOut">
               <a:rPr lang="en-US" smtClean="0"/>
-              <a:t>12/3/2017</a:t>
+              <a:pPr/>
+              <a:t>12/4/2017</a:t>
             </a:fld>
             <a:endParaRPr lang="en-US"/>
           </a:p>
@@ -513,6 +516,7 @@
           <a:p>
             <a:fld id="{290C3099-4D1F-4A21-B3CB-08B42553DBB1}" type="slidenum">
               <a:rPr lang="en-US" smtClean="0"/>
+              <a:pPr/>
               <a:t>‹#›</a:t>
             </a:fld>
             <a:endParaRPr lang="en-US"/>
@@ -646,7 +650,8 @@
           <a:p>
             <a:fld id="{F1AE3E1C-4050-4800-9F3F-EAFDBD65BD21}" type="datetimeFigureOut">
               <a:rPr lang="en-US" smtClean="0"/>
-              <a:t>12/3/2017</a:t>
+              <a:pPr/>
+              <a:t>12/4/2017</a:t>
             </a:fld>
             <a:endParaRPr lang="en-US"/>
           </a:p>
@@ -688,6 +693,7 @@
           <a:p>
             <a:fld id="{290C3099-4D1F-4A21-B3CB-08B42553DBB1}" type="slidenum">
               <a:rPr lang="en-US" smtClean="0"/>
+              <a:pPr/>
               <a:t>‹#›</a:t>
             </a:fld>
             <a:endParaRPr lang="en-US"/>
@@ -811,7 +817,8 @@
           <a:p>
             <a:fld id="{F1AE3E1C-4050-4800-9F3F-EAFDBD65BD21}" type="datetimeFigureOut">
               <a:rPr lang="en-US" smtClean="0"/>
-              <a:t>12/3/2017</a:t>
+              <a:pPr/>
+              <a:t>12/4/2017</a:t>
             </a:fld>
             <a:endParaRPr lang="en-US"/>
           </a:p>
@@ -853,6 +860,7 @@
           <a:p>
             <a:fld id="{290C3099-4D1F-4A21-B3CB-08B42553DBB1}" type="slidenum">
               <a:rPr lang="en-US" smtClean="0"/>
+              <a:pPr/>
               <a:t>‹#›</a:t>
             </a:fld>
             <a:endParaRPr lang="en-US"/>
@@ -1052,7 +1060,8 @@
           <a:p>
             <a:fld id="{F1AE3E1C-4050-4800-9F3F-EAFDBD65BD21}" type="datetimeFigureOut">
               <a:rPr lang="en-US" smtClean="0"/>
-              <a:t>12/3/2017</a:t>
+              <a:pPr/>
+              <a:t>12/4/2017</a:t>
             </a:fld>
             <a:endParaRPr lang="en-US"/>
           </a:p>
@@ -1094,6 +1103,7 @@
           <a:p>
             <a:fld id="{290C3099-4D1F-4A21-B3CB-08B42553DBB1}" type="slidenum">
               <a:rPr lang="en-US" smtClean="0"/>
+              <a:pPr/>
               <a:t>‹#›</a:t>
             </a:fld>
             <a:endParaRPr lang="en-US"/>
@@ -1335,7 +1345,8 @@
           <a:p>
             <a:fld id="{F1AE3E1C-4050-4800-9F3F-EAFDBD65BD21}" type="datetimeFigureOut">
               <a:rPr lang="en-US" smtClean="0"/>
-              <a:t>12/3/2017</a:t>
+              <a:pPr/>
+              <a:t>12/4/2017</a:t>
             </a:fld>
             <a:endParaRPr lang="en-US"/>
           </a:p>
@@ -1377,6 +1388,7 @@
           <a:p>
             <a:fld id="{290C3099-4D1F-4A21-B3CB-08B42553DBB1}" type="slidenum">
               <a:rPr lang="en-US" smtClean="0"/>
+              <a:pPr/>
               <a:t>‹#›</a:t>
             </a:fld>
             <a:endParaRPr lang="en-US"/>
@@ -1752,7 +1764,8 @@
           <a:p>
             <a:fld id="{F1AE3E1C-4050-4800-9F3F-EAFDBD65BD21}" type="datetimeFigureOut">
               <a:rPr lang="en-US" smtClean="0"/>
-              <a:t>12/3/2017</a:t>
+              <a:pPr/>
+              <a:t>12/4/2017</a:t>
             </a:fld>
             <a:endParaRPr lang="en-US"/>
           </a:p>
@@ -1794,6 +1807,7 @@
           <a:p>
             <a:fld id="{290C3099-4D1F-4A21-B3CB-08B42553DBB1}" type="slidenum">
               <a:rPr lang="en-US" smtClean="0"/>
+              <a:pPr/>
               <a:t>‹#›</a:t>
             </a:fld>
             <a:endParaRPr lang="en-US"/>
@@ -1865,7 +1879,8 @@
           <a:p>
             <a:fld id="{F1AE3E1C-4050-4800-9F3F-EAFDBD65BD21}" type="datetimeFigureOut">
               <a:rPr lang="en-US" smtClean="0"/>
-              <a:t>12/3/2017</a:t>
+              <a:pPr/>
+              <a:t>12/4/2017</a:t>
             </a:fld>
             <a:endParaRPr lang="en-US"/>
           </a:p>
@@ -1907,6 +1922,7 @@
           <a:p>
             <a:fld id="{290C3099-4D1F-4A21-B3CB-08B42553DBB1}" type="slidenum">
               <a:rPr lang="en-US" smtClean="0"/>
+              <a:pPr/>
               <a:t>‹#›</a:t>
             </a:fld>
             <a:endParaRPr lang="en-US"/>
@@ -1955,7 +1971,8 @@
           <a:p>
             <a:fld id="{F1AE3E1C-4050-4800-9F3F-EAFDBD65BD21}" type="datetimeFigureOut">
               <a:rPr lang="en-US" smtClean="0"/>
-              <a:t>12/3/2017</a:t>
+              <a:pPr/>
+              <a:t>12/4/2017</a:t>
             </a:fld>
             <a:endParaRPr lang="en-US"/>
           </a:p>
@@ -1997,6 +2014,7 @@
           <a:p>
             <a:fld id="{290C3099-4D1F-4A21-B3CB-08B42553DBB1}" type="slidenum">
               <a:rPr lang="en-US" smtClean="0"/>
+              <a:pPr/>
               <a:t>‹#›</a:t>
             </a:fld>
             <a:endParaRPr lang="en-US"/>
@@ -2227,7 +2245,8 @@
           <a:p>
             <a:fld id="{F1AE3E1C-4050-4800-9F3F-EAFDBD65BD21}" type="datetimeFigureOut">
               <a:rPr lang="en-US" smtClean="0"/>
-              <a:t>12/3/2017</a:t>
+              <a:pPr/>
+              <a:t>12/4/2017</a:t>
             </a:fld>
             <a:endParaRPr lang="en-US"/>
           </a:p>
@@ -2269,6 +2288,7 @@
           <a:p>
             <a:fld id="{290C3099-4D1F-4A21-B3CB-08B42553DBB1}" type="slidenum">
               <a:rPr lang="en-US" smtClean="0"/>
+              <a:pPr/>
               <a:t>‹#›</a:t>
             </a:fld>
             <a:endParaRPr lang="en-US"/>
@@ -2475,7 +2495,8 @@
           <a:p>
             <a:fld id="{F1AE3E1C-4050-4800-9F3F-EAFDBD65BD21}" type="datetimeFigureOut">
               <a:rPr lang="en-US" smtClean="0"/>
-              <a:t>12/3/2017</a:t>
+              <a:pPr/>
+              <a:t>12/4/2017</a:t>
             </a:fld>
             <a:endParaRPr lang="en-US"/>
           </a:p>
@@ -2517,6 +2538,7 @@
           <a:p>
             <a:fld id="{290C3099-4D1F-4A21-B3CB-08B42553DBB1}" type="slidenum">
               <a:rPr lang="en-US" smtClean="0"/>
+              <a:pPr/>
               <a:t>‹#›</a:t>
             </a:fld>
             <a:endParaRPr lang="en-US"/>
@@ -2683,7 +2705,8 @@
           <a:p>
             <a:fld id="{F1AE3E1C-4050-4800-9F3F-EAFDBD65BD21}" type="datetimeFigureOut">
               <a:rPr lang="en-US" smtClean="0"/>
-              <a:t>12/3/2017</a:t>
+              <a:pPr/>
+              <a:t>12/4/2017</a:t>
             </a:fld>
             <a:endParaRPr lang="en-US"/>
           </a:p>
@@ -2761,6 +2784,7 @@
           <a:p>
             <a:fld id="{290C3099-4D1F-4A21-B3CB-08B42553DBB1}" type="slidenum">
               <a:rPr lang="en-US" smtClean="0"/>
+              <a:pPr/>
               <a:t>‹#›</a:t>
             </a:fld>
             <a:endParaRPr lang="en-US"/>
@@ -3197,8 +3221,8 @@
         </p:blipFill>
         <p:spPr bwMode="auto">
           <a:xfrm>
-            <a:off x="533400" y="3352800"/>
-            <a:ext cx="8077200" cy="983762"/>
+            <a:off x="0" y="3222868"/>
+            <a:ext cx="9144000" cy="1113693"/>
           </a:xfrm>
           <a:prstGeom prst="rect">
             <a:avLst/>
@@ -3316,18 +3340,18 @@
           <a:lstStyle/>
           <a:p>
             <a:r>
-              <a:rPr lang="en-US" sz="2400" dirty="0" smtClean="0"/>
+              <a:rPr lang="en-US" sz="2000" dirty="0" smtClean="0"/>
               <a:t>I want to see run number and target info for the clock trigger again. But now I want it sorted by the </a:t>
             </a:r>
             <a:r>
-              <a:rPr lang="en-US" sz="2400" dirty="0" err="1" smtClean="0"/>
+              <a:rPr lang="en-US" sz="2000" dirty="0" err="1" smtClean="0"/>
               <a:t>prescale</a:t>
             </a:r>
             <a:r>
-              <a:rPr lang="en-US" sz="2400" dirty="0" smtClean="0"/>
+              <a:rPr lang="en-US" sz="2000" dirty="0" smtClean="0"/>
               <a:t> value of the clock trigger. Surely I don’t have to keep scrolling until I find the highest clock rate?!</a:t>
             </a:r>
-            <a:endParaRPr lang="en-US" sz="2400" dirty="0"/>
+            <a:endParaRPr lang="en-US" sz="2000" dirty="0"/>
           </a:p>
         </p:txBody>
       </p:sp>
@@ -3399,18 +3423,18 @@
           <a:lstStyle/>
           <a:p>
             <a:r>
-              <a:rPr lang="en-US" sz="2400" dirty="0" smtClean="0"/>
+              <a:rPr lang="en-US" sz="2000" dirty="0" smtClean="0"/>
               <a:t>I want to see run number and target info for the clock trigger again. But now I want it sorted by the </a:t>
             </a:r>
             <a:r>
-              <a:rPr lang="en-US" sz="2400" dirty="0" err="1" smtClean="0"/>
+              <a:rPr lang="en-US" sz="2000" dirty="0" err="1" smtClean="0"/>
               <a:t>prescale</a:t>
             </a:r>
             <a:r>
-              <a:rPr lang="en-US" sz="2400" dirty="0" smtClean="0"/>
+              <a:rPr lang="en-US" sz="2000" dirty="0" smtClean="0"/>
               <a:t> value of the clock trigger. Surely I don’t have to keep scrolling until I find the highest clock rate?!</a:t>
             </a:r>
-            <a:endParaRPr lang="en-US" sz="2400" dirty="0"/>
+            <a:endParaRPr lang="en-US" sz="2000" dirty="0"/>
           </a:p>
         </p:txBody>
       </p:sp>
@@ -3431,8 +3455,8 @@
         </p:blipFill>
         <p:spPr bwMode="auto">
           <a:xfrm>
-            <a:off x="1028700" y="3200400"/>
-            <a:ext cx="7086600" cy="3008912"/>
+            <a:off x="310834" y="2590800"/>
+            <a:ext cx="8522332" cy="3618512"/>
           </a:xfrm>
           <a:prstGeom prst="rect">
             <a:avLst/>
@@ -3514,18 +3538,18 @@
           <a:lstStyle/>
           <a:p>
             <a:r>
-              <a:rPr lang="en-US" sz="2400" dirty="0" smtClean="0"/>
+              <a:rPr lang="en-US" sz="2000" dirty="0" smtClean="0"/>
               <a:t>I want to see run number and target info for the clock trigger again. But now I want it sorted by the </a:t>
             </a:r>
             <a:r>
-              <a:rPr lang="en-US" sz="2400" dirty="0" err="1" smtClean="0"/>
+              <a:rPr lang="en-US" sz="2000" dirty="0" err="1" smtClean="0"/>
               <a:t>prescale</a:t>
             </a:r>
             <a:r>
-              <a:rPr lang="en-US" sz="2400" dirty="0" smtClean="0"/>
+              <a:rPr lang="en-US" sz="2000" dirty="0" smtClean="0"/>
               <a:t> value of the clock trigger. Surely I don’t have to keep scrolling until I find the highest clock rate?!</a:t>
             </a:r>
-            <a:endParaRPr lang="en-US" sz="2400" dirty="0"/>
+            <a:endParaRPr lang="en-US" sz="2000" dirty="0"/>
           </a:p>
         </p:txBody>
       </p:sp>
@@ -3546,8 +3570,8 @@
         </p:blipFill>
         <p:spPr bwMode="auto">
           <a:xfrm>
-            <a:off x="1028700" y="3200400"/>
-            <a:ext cx="7086600" cy="3008912"/>
+            <a:off x="310834" y="2590800"/>
+            <a:ext cx="8522332" cy="3618512"/>
           </a:xfrm>
           <a:prstGeom prst="rect">
             <a:avLst/>
@@ -3710,8 +3734,8 @@
         </p:blipFill>
         <p:spPr bwMode="auto">
           <a:xfrm>
-            <a:off x="1028700" y="1828800"/>
-            <a:ext cx="7086600" cy="2949375"/>
+            <a:off x="-1" y="1536772"/>
+            <a:ext cx="9144001" cy="3805646"/>
           </a:xfrm>
           <a:prstGeom prst="rect">
             <a:avLst/>
@@ -3790,8 +3814,8 @@
         </p:blipFill>
         <p:spPr bwMode="auto">
           <a:xfrm>
-            <a:off x="1028700" y="1828800"/>
-            <a:ext cx="7086600" cy="2949375"/>
+            <a:off x="-1" y="1536772"/>
+            <a:ext cx="9144001" cy="3805646"/>
           </a:xfrm>
           <a:prstGeom prst="rect">
             <a:avLst/>
@@ -3807,13 +3831,13 @@
       </p:pic>
       <p:sp>
         <p:nvSpPr>
-          <p:cNvPr id="5" name="TextBox 4"/>
+          <p:cNvPr id="4" name="TextBox 3"/>
           <p:cNvSpPr txBox="1"/>
           <p:nvPr/>
         </p:nvSpPr>
         <p:spPr>
           <a:xfrm>
-            <a:off x="1295400" y="5105400"/>
+            <a:off x="1295400" y="5562600"/>
             <a:ext cx="1238672" cy="369332"/>
           </a:xfrm>
           <a:prstGeom prst="rect">
@@ -4325,8 +4349,8 @@
         </p:blipFill>
         <p:spPr bwMode="auto">
           <a:xfrm>
-            <a:off x="2953360" y="2276474"/>
-            <a:ext cx="3237280" cy="3362325"/>
+            <a:off x="2467280" y="1752600"/>
+            <a:ext cx="4209440" cy="4372036"/>
           </a:xfrm>
           <a:prstGeom prst="rect">
             <a:avLst/>
@@ -4871,7 +4895,7 @@
           <a:lstStyle/>
           <a:p>
             <a:r>
-              <a:rPr lang="en-US" dirty="0" smtClean="0"/>
+              <a:rPr lang="en-US" sz="2400" dirty="0" smtClean="0"/>
               <a:t>I want to know what runs have the clock on. Also, I’m only interested in the run number and target. How do I do that?</a:t>
             </a:r>
           </a:p>
@@ -4949,7 +4973,7 @@
           <a:lstStyle/>
           <a:p>
             <a:r>
-              <a:rPr lang="en-US" dirty="0" smtClean="0"/>
+              <a:rPr lang="en-US" sz="2400" dirty="0" smtClean="0"/>
               <a:t>I want to know what runs have the clock on. Also, I’m only interested in the run number and target. How do I do that?</a:t>
             </a:r>
           </a:p>
@@ -4978,8 +5002,8 @@
         </p:blipFill>
         <p:spPr bwMode="auto">
           <a:xfrm>
-            <a:off x="2076450" y="3131232"/>
-            <a:ext cx="4991100" cy="3013622"/>
+            <a:off x="1439623" y="2362200"/>
+            <a:ext cx="6264755" cy="3782654"/>
           </a:xfrm>
           <a:prstGeom prst="rect">
             <a:avLst/>
